--- a/powerpoint/4_Shell_scripting_slurm.pptx
+++ b/powerpoint/4_Shell_scripting_slurm.pptx
@@ -280,7 +280,7 @@
           <a:p>
             <a:fld id="{2244AFD0-6711-41F1-97ED-53C99FBC28F0}" type="datetimeFigureOut">
               <a:rPr lang="en-GB" smtClean="0"/>
-              <a:t>08/02/2023</a:t>
+              <a:t>13/03/2023</a:t>
             </a:fld>
             <a:endParaRPr lang="en-GB"/>
           </a:p>
@@ -480,7 +480,7 @@
           <a:p>
             <a:fld id="{2244AFD0-6711-41F1-97ED-53C99FBC28F0}" type="datetimeFigureOut">
               <a:rPr lang="en-GB" smtClean="0"/>
-              <a:t>08/02/2023</a:t>
+              <a:t>13/03/2023</a:t>
             </a:fld>
             <a:endParaRPr lang="en-GB"/>
           </a:p>
@@ -690,7 +690,7 @@
           <a:p>
             <a:fld id="{2244AFD0-6711-41F1-97ED-53C99FBC28F0}" type="datetimeFigureOut">
               <a:rPr lang="en-GB" smtClean="0"/>
-              <a:t>08/02/2023</a:t>
+              <a:t>13/03/2023</a:t>
             </a:fld>
             <a:endParaRPr lang="en-GB"/>
           </a:p>
@@ -890,7 +890,7 @@
           <a:p>
             <a:fld id="{2244AFD0-6711-41F1-97ED-53C99FBC28F0}" type="datetimeFigureOut">
               <a:rPr lang="en-GB" smtClean="0"/>
-              <a:t>08/02/2023</a:t>
+              <a:t>13/03/2023</a:t>
             </a:fld>
             <a:endParaRPr lang="en-GB"/>
           </a:p>
@@ -1166,7 +1166,7 @@
           <a:p>
             <a:fld id="{2244AFD0-6711-41F1-97ED-53C99FBC28F0}" type="datetimeFigureOut">
               <a:rPr lang="en-GB" smtClean="0"/>
-              <a:t>08/02/2023</a:t>
+              <a:t>13/03/2023</a:t>
             </a:fld>
             <a:endParaRPr lang="en-GB"/>
           </a:p>
@@ -1434,7 +1434,7 @@
           <a:p>
             <a:fld id="{2244AFD0-6711-41F1-97ED-53C99FBC28F0}" type="datetimeFigureOut">
               <a:rPr lang="en-GB" smtClean="0"/>
-              <a:t>08/02/2023</a:t>
+              <a:t>13/03/2023</a:t>
             </a:fld>
             <a:endParaRPr lang="en-GB"/>
           </a:p>
@@ -1849,7 +1849,7 @@
           <a:p>
             <a:fld id="{2244AFD0-6711-41F1-97ED-53C99FBC28F0}" type="datetimeFigureOut">
               <a:rPr lang="en-GB" smtClean="0"/>
-              <a:t>08/02/2023</a:t>
+              <a:t>13/03/2023</a:t>
             </a:fld>
             <a:endParaRPr lang="en-GB"/>
           </a:p>
@@ -1991,7 +1991,7 @@
           <a:p>
             <a:fld id="{2244AFD0-6711-41F1-97ED-53C99FBC28F0}" type="datetimeFigureOut">
               <a:rPr lang="en-GB" smtClean="0"/>
-              <a:t>08/02/2023</a:t>
+              <a:t>13/03/2023</a:t>
             </a:fld>
             <a:endParaRPr lang="en-GB"/>
           </a:p>
@@ -2104,7 +2104,7 @@
           <a:p>
             <a:fld id="{2244AFD0-6711-41F1-97ED-53C99FBC28F0}" type="datetimeFigureOut">
               <a:rPr lang="en-GB" smtClean="0"/>
-              <a:t>08/02/2023</a:t>
+              <a:t>13/03/2023</a:t>
             </a:fld>
             <a:endParaRPr lang="en-GB"/>
           </a:p>
@@ -2417,7 +2417,7 @@
           <a:p>
             <a:fld id="{2244AFD0-6711-41F1-97ED-53C99FBC28F0}" type="datetimeFigureOut">
               <a:rPr lang="en-GB" smtClean="0"/>
-              <a:t>08/02/2023</a:t>
+              <a:t>13/03/2023</a:t>
             </a:fld>
             <a:endParaRPr lang="en-GB"/>
           </a:p>
@@ -2706,7 +2706,7 @@
           <a:p>
             <a:fld id="{2244AFD0-6711-41F1-97ED-53C99FBC28F0}" type="datetimeFigureOut">
               <a:rPr lang="en-GB" smtClean="0"/>
-              <a:t>08/02/2023</a:t>
+              <a:t>13/03/2023</a:t>
             </a:fld>
             <a:endParaRPr lang="en-GB"/>
           </a:p>
@@ -2949,7 +2949,7 @@
           <a:p>
             <a:fld id="{2244AFD0-6711-41F1-97ED-53C99FBC28F0}" type="datetimeFigureOut">
               <a:rPr lang="en-GB" smtClean="0"/>
-              <a:t>08/02/2023</a:t>
+              <a:t>13/03/2023</a:t>
             </a:fld>
             <a:endParaRPr lang="en-GB"/>
           </a:p>
@@ -4690,23 +4690,15 @@
                   <a:srgbClr val="0070C0"/>
                 </a:solidFill>
               </a:rPr>
-              <a:t>        cd /storage/home/users/${USER}/</a:t>
-            </a:r>
-            <a:r>
-              <a:rPr lang="en-GB" dirty="0" err="1">
+              <a:t>        </a:t>
+            </a:r>
+            <a:r>
+              <a:rPr lang="en-GB">
                 <a:solidFill>
                   <a:srgbClr val="0070C0"/>
                 </a:solidFill>
               </a:rPr>
-              <a:t>ngs</a:t>
-            </a:r>
-            <a:r>
-              <a:rPr lang="en-GB" dirty="0">
-                <a:solidFill>
-                  <a:srgbClr val="0070C0"/>
-                </a:solidFill>
-              </a:rPr>
-              <a:t>/</a:t>
+              <a:t>cd ./</a:t>
             </a:r>
             <a:r>
               <a:rPr lang="en-GB" dirty="0" err="1">
